--- a/Music Application Using Django Framework-Amala Shwetah Louis Kishore-4005-LICET.pptx
+++ b/Music Application Using Django Framework-Amala Shwetah Louis Kishore-4005-LICET.pptx
@@ -287,7 +287,7 @@
       </p15:sldGuideLst>
     </p:ext>
     <p:ext uri="http://customooxmlschemas.google.com/">
-      <go:slidesCustomData xmlns="" xmlns:go="http://customooxmlschemas.google.com/" xmlns:p15="http://schemas.microsoft.com/office/powerpoint/2012/main" xmlns:p14="http://schemas.microsoft.com/office/powerpoint/2010/main" xmlns:com="http://schemas.openxmlformats.org/drawingml/2006/compatibility" xmlns:pvml="urn:schemas-microsoft-com:office:powerpoint" xmlns:v="urn:schemas-microsoft-com:vml" xmlns:o="urn:schemas-microsoft-com:office:office" xmlns:dgm="http://schemas.openxmlformats.org/drawingml/2006/diagram" xmlns:c="http://schemas.openxmlformats.org/drawingml/2006/chart" xmlns:mv="urn:schemas-microsoft-com:mac:vml" xmlns:mc="http://schemas.openxmlformats.org/markup-compatibility/2006" r:id="rId220" roundtripDataSignature="AMtx7miWNY2LB4ETJwrL8F0N+EK9hEhqUQ=="/>
+      <go:slidesCustomData xmlns:mc="http://schemas.openxmlformats.org/markup-compatibility/2006" xmlns:mv="urn:schemas-microsoft-com:mac:vml" xmlns:c="http://schemas.openxmlformats.org/drawingml/2006/chart" xmlns:dgm="http://schemas.openxmlformats.org/drawingml/2006/diagram" xmlns:o="urn:schemas-microsoft-com:office:office" xmlns:v="urn:schemas-microsoft-com:vml" xmlns:pvml="urn:schemas-microsoft-com:office:powerpoint" xmlns:com="http://schemas.openxmlformats.org/drawingml/2006/compatibility" xmlns:p14="http://schemas.microsoft.com/office/powerpoint/2010/main" xmlns:p15="http://schemas.microsoft.com/office/powerpoint/2012/main" xmlns:go="http://customooxmlschemas.google.com/" xmlns="" r:id="rId220" roundtripDataSignature="AMtx7miWNY2LB4ETJwrL8F0N+EK9hEhqUQ=="/>
     </p:ext>
   </p:extLst>
 </p:presentation>
@@ -1282,6 +1282,13 @@
         </dgm:presLayoutVars>
       </dgm:prSet>
       <dgm:spPr/>
+      <dgm:t>
+        <a:bodyPr/>
+        <a:lstStyle/>
+        <a:p>
+          <a:endParaRPr lang="en-US"/>
+        </a:p>
+      </dgm:t>
     </dgm:pt>
   </dgm:ptLst>
   <dgm:cxnLst>
@@ -9015,7 +9022,7 @@
           <a:p>
             <a:fld id="{6275EE38-1560-4543-B65C-40BD61BB92F2}" type="datetimeFigureOut">
               <a:rPr lang="en-US" smtClean="0"/>
-              <a:t>4/7/2024</a:t>
+              <a:t>4/8/2024</a:t>
             </a:fld>
             <a:endParaRPr lang="en-US"/>
           </a:p>
@@ -9241,7 +9248,7 @@
           <a:p>
             <a:fld id="{3FD61DA6-D9C3-4FDE-8A87-022315D71125}" type="datetime1">
               <a:rPr lang="en-US" smtClean="0"/>
-              <a:t>4/7/2024</a:t>
+              <a:t>4/8/2024</a:t>
             </a:fld>
             <a:endParaRPr lang="en-US"/>
           </a:p>
@@ -15440,13 +15447,7 @@
       </p:sp>
       <p:pic>
         <p:nvPicPr>
-          <p:cNvPr id="3" name="Picture 2" descr="index.png">
-            <a:extLst>
-              <a:ext uri="{FF2B5EF4-FFF2-40B4-BE49-F238E27FC236}">
-                <a16:creationId xmlns:a16="http://schemas.microsoft.com/office/drawing/2014/main" id="{04F405D5-CC30-3976-8E59-E17AF6B533FD}"/>
-              </a:ext>
-            </a:extLst>
-          </p:cNvPr>
+          <p:cNvPr id="5" name="Picture 4"/>
           <p:cNvPicPr>
             <a:picLocks noChangeAspect="1"/>
           </p:cNvPicPr>
@@ -15460,8 +15461,8 @@
         </p:blipFill>
         <p:spPr>
           <a:xfrm>
-            <a:off x="628650" y="1283837"/>
-            <a:ext cx="7399243" cy="3130516"/>
+            <a:off x="1591735" y="1384503"/>
+            <a:ext cx="5807908" cy="3157864"/>
           </a:xfrm>
           <a:prstGeom prst="rect">
             <a:avLst/>
@@ -15748,6 +15749,16 @@
               </a:rPr>
               <a:t>:</a:t>
             </a:r>
+            <a:r>
+              <a:rPr lang="en-US" b="0" i="0">
+                <a:solidFill>
+                  <a:srgbClr val="374151"/>
+                </a:solidFill>
+                <a:effectLst/>
+                <a:latin typeface="Söhne"/>
+              </a:rPr>
+              <a:t/>
+            </a:r>
             <a:br>
               <a:rPr lang="en-US" b="0" i="0">
                 <a:solidFill>
@@ -20842,13 +20853,7 @@
       </p:sp>
       <p:pic>
         <p:nvPicPr>
-          <p:cNvPr id="4" name="Picture 3" descr="homepage.png">
-            <a:extLst>
-              <a:ext uri="{FF2B5EF4-FFF2-40B4-BE49-F238E27FC236}">
-                <a16:creationId xmlns:a16="http://schemas.microsoft.com/office/drawing/2014/main" id="{1163F7D0-1433-3E5C-3AAC-4BBAD0AFD001}"/>
-              </a:ext>
-            </a:extLst>
-          </p:cNvPr>
+          <p:cNvPr id="5" name="Picture 4"/>
           <p:cNvPicPr>
             <a:picLocks noChangeAspect="1"/>
           </p:cNvPicPr>
@@ -20862,8 +20867,8 @@
         </p:blipFill>
         <p:spPr>
           <a:xfrm>
-            <a:off x="1057275" y="1388661"/>
-            <a:ext cx="6415926" cy="2946082"/>
+            <a:off x="1312334" y="1160224"/>
+            <a:ext cx="6207275" cy="3386205"/>
           </a:xfrm>
           <a:prstGeom prst="rect">
             <a:avLst/>
@@ -21446,15 +21451,6 @@
 </file>
 
 <file path=customXml/item1.xml><?xml version="1.0" encoding="utf-8"?>
-<?mso-contentType ?>
-<FormTemplates xmlns="http://schemas.microsoft.com/sharepoint/v3/contenttype/forms">
-  <Display>DocumentLibraryForm</Display>
-  <Edit>DocumentLibraryForm</Edit>
-  <New>DocumentLibraryForm</New>
-</FormTemplates>
-</file>
-
-<file path=customXml/item2.xml><?xml version="1.0" encoding="utf-8"?>
 <ct:contentTypeSchema xmlns:ct="http://schemas.microsoft.com/office/2006/metadata/contentType" xmlns:ma="http://schemas.microsoft.com/office/2006/metadata/properties/metaAttributes" ct:_="" ma:_="" ma:contentTypeName="Document" ma:contentTypeID="0x0101000F1872188ABCFC48BECA6C87E8AC3285" ma:contentTypeVersion="15" ma:contentTypeDescription="Create a new document." ma:contentTypeScope="" ma:versionID="7670618c03e54fbae4a17ecb2d0ed10f">
   <xsd:schema xmlns:xsd="http://www.w3.org/2001/XMLSchema" xmlns:xs="http://www.w3.org/2001/XMLSchema" xmlns:p="http://schemas.microsoft.com/office/2006/metadata/properties" xmlns:ns3="9162bd5b-4ed9-4da3-b376-05204580ba3f" xmlns:ns4="c0fa2617-96bd-425d-8578-e93563fe37c5" targetNamespace="http://schemas.microsoft.com/office/2006/metadata/properties" ma:root="true" ma:fieldsID="3d63de1c5a217044e31e0c8b260d3d71" ns3:_="" ns4:_="">
     <xsd:import namespace="9162bd5b-4ed9-4da3-b376-05204580ba3f"/>
@@ -21689,6 +21685,15 @@
 </ct:contentTypeSchema>
 </file>
 
+<file path=customXml/item2.xml><?xml version="1.0" encoding="utf-8"?>
+<?mso-contentType ?>
+<FormTemplates xmlns="http://schemas.microsoft.com/sharepoint/v3/contenttype/forms">
+  <Display>DocumentLibraryForm</Display>
+  <Edit>DocumentLibraryForm</Edit>
+  <New>DocumentLibraryForm</New>
+</FormTemplates>
+</file>
+
 <file path=customXml/item3.xml><?xml version="1.0" encoding="utf-8"?>
 <p:properties xmlns:p="http://schemas.microsoft.com/office/2006/metadata/properties" xmlns:xsi="http://www.w3.org/2001/XMLSchema-instance" xmlns:pc="http://schemas.microsoft.com/office/infopath/2007/PartnerControls">
   <documentManagement>
@@ -21698,14 +21703,6 @@
 </file>
 
 <file path=customXml/itemProps1.xml><?xml version="1.0" encoding="utf-8"?>
-<ds:datastoreItem xmlns:ds="http://schemas.openxmlformats.org/officeDocument/2006/customXml" ds:itemID="{3706AB80-2608-47D7-8AC8-FA6BC8A9B27C}">
-  <ds:schemaRefs>
-    <ds:schemaRef ds:uri="http://schemas.microsoft.com/sharepoint/v3/contenttype/forms"/>
-  </ds:schemaRefs>
-</ds:datastoreItem>
-</file>
-
-<file path=customXml/itemProps2.xml><?xml version="1.0" encoding="utf-8"?>
 <ds:datastoreItem xmlns:ds="http://schemas.openxmlformats.org/officeDocument/2006/customXml" ds:itemID="{7D9E5D5E-A365-4A49-8140-C8CC82A61608}">
   <ds:schemaRefs>
     <ds:schemaRef ds:uri="9162bd5b-4ed9-4da3-b376-05204580ba3f"/>
@@ -21720,6 +21717,14 @@
     <ds:schemaRef ds:uri="http://schemas.microsoft.com/office/infopath/2007/PartnerControls"/>
     <ds:schemaRef ds:uri="http://schemas.openxmlformats.org/package/2006/metadata/core-properties"/>
     <ds:schemaRef ds:uri="http://www.w3.org/2001/XMLSchema"/>
+  </ds:schemaRefs>
+</ds:datastoreItem>
+</file>
+
+<file path=customXml/itemProps2.xml><?xml version="1.0" encoding="utf-8"?>
+<ds:datastoreItem xmlns:ds="http://schemas.openxmlformats.org/officeDocument/2006/customXml" ds:itemID="{3706AB80-2608-47D7-8AC8-FA6BC8A9B27C}">
+  <ds:schemaRefs>
+    <ds:schemaRef ds:uri="http://schemas.microsoft.com/sharepoint/v3/contenttype/forms"/>
   </ds:schemaRefs>
 </ds:datastoreItem>
 </file>
